--- a/[JAVA]/C3/TA17 - MONGODB/ta17.pptx
+++ b/[JAVA]/C3/TA17 - MONGODB/ta17.pptx
@@ -9,6 +9,15 @@
     <p:sldId id="259" r:id="rId3"/>
     <p:sldId id="257" r:id="rId4"/>
     <p:sldId id="258" r:id="rId5"/>
+    <p:sldId id="260" r:id="rId6"/>
+    <p:sldId id="261" r:id="rId7"/>
+    <p:sldId id="262" r:id="rId8"/>
+    <p:sldId id="263" r:id="rId9"/>
+    <p:sldId id="264" r:id="rId10"/>
+    <p:sldId id="265" r:id="rId11"/>
+    <p:sldId id="266" r:id="rId12"/>
+    <p:sldId id="267" r:id="rId13"/>
+    <p:sldId id="268" r:id="rId14"/>
   </p:sldIdLst>
   <p:sldSz cx="12192000" cy="6858000"/>
   <p:notesSz cx="6858000" cy="9144000"/>
@@ -107,6 +116,11 @@
       </a:defRPr>
     </a:lvl9pPr>
   </p:defaultTextStyle>
+  <p:extLst>
+    <p:ext uri="{EFAFB233-063F-42B5-8137-9DF3F51BA10A}">
+      <p15:sldGuideLst xmlns:p15="http://schemas.microsoft.com/office/powerpoint/2012/main"/>
+    </p:ext>
+  </p:extLst>
 </p:presentation>
 </file>
 
@@ -257,7 +271,7 @@
           <a:p>
             <a:fld id="{D8438D0A-D9A6-457A-9BDE-EC1985CB34E9}" type="datetimeFigureOut">
               <a:rPr lang="es-ES" smtClean="0"/>
-              <a:t>03/05/2024</a:t>
+              <a:t>06/05/2024</a:t>
             </a:fld>
             <a:endParaRPr lang="es-ES"/>
           </a:p>
@@ -455,7 +469,7 @@
           <a:p>
             <a:fld id="{D8438D0A-D9A6-457A-9BDE-EC1985CB34E9}" type="datetimeFigureOut">
               <a:rPr lang="es-ES" smtClean="0"/>
-              <a:t>03/05/2024</a:t>
+              <a:t>06/05/2024</a:t>
             </a:fld>
             <a:endParaRPr lang="es-ES"/>
           </a:p>
@@ -663,7 +677,7 @@
           <a:p>
             <a:fld id="{D8438D0A-D9A6-457A-9BDE-EC1985CB34E9}" type="datetimeFigureOut">
               <a:rPr lang="es-ES" smtClean="0"/>
-              <a:t>03/05/2024</a:t>
+              <a:t>06/05/2024</a:t>
             </a:fld>
             <a:endParaRPr lang="es-ES"/>
           </a:p>
@@ -861,7 +875,7 @@
           <a:p>
             <a:fld id="{D8438D0A-D9A6-457A-9BDE-EC1985CB34E9}" type="datetimeFigureOut">
               <a:rPr lang="es-ES" smtClean="0"/>
-              <a:t>03/05/2024</a:t>
+              <a:t>06/05/2024</a:t>
             </a:fld>
             <a:endParaRPr lang="es-ES"/>
           </a:p>
@@ -1136,7 +1150,7 @@
           <a:p>
             <a:fld id="{D8438D0A-D9A6-457A-9BDE-EC1985CB34E9}" type="datetimeFigureOut">
               <a:rPr lang="es-ES" smtClean="0"/>
-              <a:t>03/05/2024</a:t>
+              <a:t>06/05/2024</a:t>
             </a:fld>
             <a:endParaRPr lang="es-ES"/>
           </a:p>
@@ -1401,7 +1415,7 @@
           <a:p>
             <a:fld id="{D8438D0A-D9A6-457A-9BDE-EC1985CB34E9}" type="datetimeFigureOut">
               <a:rPr lang="es-ES" smtClean="0"/>
-              <a:t>03/05/2024</a:t>
+              <a:t>06/05/2024</a:t>
             </a:fld>
             <a:endParaRPr lang="es-ES"/>
           </a:p>
@@ -1813,7 +1827,7 @@
           <a:p>
             <a:fld id="{D8438D0A-D9A6-457A-9BDE-EC1985CB34E9}" type="datetimeFigureOut">
               <a:rPr lang="es-ES" smtClean="0"/>
-              <a:t>03/05/2024</a:t>
+              <a:t>06/05/2024</a:t>
             </a:fld>
             <a:endParaRPr lang="es-ES"/>
           </a:p>
@@ -1954,7 +1968,7 @@
           <a:p>
             <a:fld id="{D8438D0A-D9A6-457A-9BDE-EC1985CB34E9}" type="datetimeFigureOut">
               <a:rPr lang="es-ES" smtClean="0"/>
-              <a:t>03/05/2024</a:t>
+              <a:t>06/05/2024</a:t>
             </a:fld>
             <a:endParaRPr lang="es-ES"/>
           </a:p>
@@ -2067,7 +2081,7 @@
           <a:p>
             <a:fld id="{D8438D0A-D9A6-457A-9BDE-EC1985CB34E9}" type="datetimeFigureOut">
               <a:rPr lang="es-ES" smtClean="0"/>
-              <a:t>03/05/2024</a:t>
+              <a:t>06/05/2024</a:t>
             </a:fld>
             <a:endParaRPr lang="es-ES"/>
           </a:p>
@@ -2378,7 +2392,7 @@
           <a:p>
             <a:fld id="{D8438D0A-D9A6-457A-9BDE-EC1985CB34E9}" type="datetimeFigureOut">
               <a:rPr lang="es-ES" smtClean="0"/>
-              <a:t>03/05/2024</a:t>
+              <a:t>06/05/2024</a:t>
             </a:fld>
             <a:endParaRPr lang="es-ES"/>
           </a:p>
@@ -2666,7 +2680,7 @@
           <a:p>
             <a:fld id="{D8438D0A-D9A6-457A-9BDE-EC1985CB34E9}" type="datetimeFigureOut">
               <a:rPr lang="es-ES" smtClean="0"/>
-              <a:t>03/05/2024</a:t>
+              <a:t>06/05/2024</a:t>
             </a:fld>
             <a:endParaRPr lang="es-ES"/>
           </a:p>
@@ -2907,7 +2921,7 @@
           <a:p>
             <a:fld id="{D8438D0A-D9A6-457A-9BDE-EC1985CB34E9}" type="datetimeFigureOut">
               <a:rPr lang="es-ES" smtClean="0"/>
-              <a:t>03/05/2024</a:t>
+              <a:t>06/05/2024</a:t>
             </a:fld>
             <a:endParaRPr lang="es-ES"/>
           </a:p>
@@ -3367,6 +3381,634 @@
 </p:sld>
 </file>
 
+<file path=ppt/slides/slide10.xml><?xml version="1.0" encoding="utf-8"?>
+<p:sld xmlns:a="http://schemas.openxmlformats.org/drawingml/2006/main" xmlns:r="http://schemas.openxmlformats.org/officeDocument/2006/relationships" xmlns:p="http://schemas.openxmlformats.org/presentationml/2006/main">
+  <p:cSld>
+    <p:spTree>
+      <p:nvGrpSpPr>
+        <p:cNvPr id="1" name=""/>
+        <p:cNvGrpSpPr/>
+        <p:nvPr/>
+      </p:nvGrpSpPr>
+      <p:grpSpPr>
+        <a:xfrm>
+          <a:off x="0" y="0"/>
+          <a:ext cx="0" cy="0"/>
+          <a:chOff x="0" y="0"/>
+          <a:chExt cx="0" cy="0"/>
+        </a:xfrm>
+      </p:grpSpPr>
+      <p:pic>
+        <p:nvPicPr>
+          <p:cNvPr id="4" name="Imagen 3">
+            <a:extLst>
+              <a:ext uri="{FF2B5EF4-FFF2-40B4-BE49-F238E27FC236}">
+                <a16:creationId xmlns:a16="http://schemas.microsoft.com/office/drawing/2014/main" id="{1AB8E0E2-61B0-46BE-FF8E-92487CC52B9F}"/>
+              </a:ext>
+            </a:extLst>
+          </p:cNvPr>
+          <p:cNvPicPr>
+            <a:picLocks noChangeAspect="1"/>
+          </p:cNvPicPr>
+          <p:nvPr/>
+        </p:nvPicPr>
+        <p:blipFill>
+          <a:blip r:embed="rId2"/>
+          <a:stretch>
+            <a:fillRect/>
+          </a:stretch>
+        </p:blipFill>
+        <p:spPr>
+          <a:xfrm>
+            <a:off x="263902" y="325521"/>
+            <a:ext cx="2720576" cy="891617"/>
+          </a:xfrm>
+          <a:prstGeom prst="rect">
+            <a:avLst/>
+          </a:prstGeom>
+        </p:spPr>
+      </p:pic>
+      <p:pic>
+        <p:nvPicPr>
+          <p:cNvPr id="6" name="Imagen 5">
+            <a:extLst>
+              <a:ext uri="{FF2B5EF4-FFF2-40B4-BE49-F238E27FC236}">
+                <a16:creationId xmlns:a16="http://schemas.microsoft.com/office/drawing/2014/main" id="{27A0CC97-85EB-B387-7CA0-A6C7ADF73FBD}"/>
+              </a:ext>
+            </a:extLst>
+          </p:cNvPr>
+          <p:cNvPicPr>
+            <a:picLocks noChangeAspect="1"/>
+          </p:cNvPicPr>
+          <p:nvPr/>
+        </p:nvPicPr>
+        <p:blipFill>
+          <a:blip r:embed="rId3"/>
+          <a:stretch>
+            <a:fillRect/>
+          </a:stretch>
+        </p:blipFill>
+        <p:spPr>
+          <a:xfrm>
+            <a:off x="430890" y="1374791"/>
+            <a:ext cx="5883150" cy="1958510"/>
+          </a:xfrm>
+          <a:prstGeom prst="rect">
+            <a:avLst/>
+          </a:prstGeom>
+        </p:spPr>
+      </p:pic>
+      <p:pic>
+        <p:nvPicPr>
+          <p:cNvPr id="8" name="Imagen 7">
+            <a:extLst>
+              <a:ext uri="{FF2B5EF4-FFF2-40B4-BE49-F238E27FC236}">
+                <a16:creationId xmlns:a16="http://schemas.microsoft.com/office/drawing/2014/main" id="{DE3B485B-12F6-9EDB-EB9E-F4B46DCD54E4}"/>
+              </a:ext>
+            </a:extLst>
+          </p:cNvPr>
+          <p:cNvPicPr>
+            <a:picLocks noChangeAspect="1"/>
+          </p:cNvPicPr>
+          <p:nvPr/>
+        </p:nvPicPr>
+        <p:blipFill>
+          <a:blip r:embed="rId4"/>
+          <a:stretch>
+            <a:fillRect/>
+          </a:stretch>
+        </p:blipFill>
+        <p:spPr>
+          <a:xfrm>
+            <a:off x="129725" y="3490954"/>
+            <a:ext cx="1878537" cy="1001886"/>
+          </a:xfrm>
+          <a:prstGeom prst="rect">
+            <a:avLst/>
+          </a:prstGeom>
+        </p:spPr>
+      </p:pic>
+      <p:pic>
+        <p:nvPicPr>
+          <p:cNvPr id="11" name="Imagen 10">
+            <a:extLst>
+              <a:ext uri="{FF2B5EF4-FFF2-40B4-BE49-F238E27FC236}">
+                <a16:creationId xmlns:a16="http://schemas.microsoft.com/office/drawing/2014/main" id="{B608BD2E-52F9-E4CF-7261-54B666AEAA08}"/>
+              </a:ext>
+            </a:extLst>
+          </p:cNvPr>
+          <p:cNvPicPr>
+            <a:picLocks noChangeAspect="1"/>
+          </p:cNvPicPr>
+          <p:nvPr/>
+        </p:nvPicPr>
+        <p:blipFill>
+          <a:blip r:embed="rId5"/>
+          <a:stretch>
+            <a:fillRect/>
+          </a:stretch>
+        </p:blipFill>
+        <p:spPr>
+          <a:xfrm>
+            <a:off x="2109693" y="3490954"/>
+            <a:ext cx="9952582" cy="3292125"/>
+          </a:xfrm>
+          <a:prstGeom prst="rect">
+            <a:avLst/>
+          </a:prstGeom>
+        </p:spPr>
+      </p:pic>
+    </p:spTree>
+    <p:extLst>
+      <p:ext uri="{BB962C8B-B14F-4D97-AF65-F5344CB8AC3E}">
+        <p14:creationId xmlns:p14="http://schemas.microsoft.com/office/powerpoint/2010/main" val="4275143234"/>
+      </p:ext>
+    </p:extLst>
+  </p:cSld>
+  <p:clrMapOvr>
+    <a:masterClrMapping/>
+  </p:clrMapOvr>
+</p:sld>
+</file>
+
+<file path=ppt/slides/slide11.xml><?xml version="1.0" encoding="utf-8"?>
+<p:sld xmlns:a="http://schemas.openxmlformats.org/drawingml/2006/main" xmlns:r="http://schemas.openxmlformats.org/officeDocument/2006/relationships" xmlns:p="http://schemas.openxmlformats.org/presentationml/2006/main">
+  <p:cSld>
+    <p:spTree>
+      <p:nvGrpSpPr>
+        <p:cNvPr id="1" name=""/>
+        <p:cNvGrpSpPr/>
+        <p:nvPr/>
+      </p:nvGrpSpPr>
+      <p:grpSpPr>
+        <a:xfrm>
+          <a:off x="0" y="0"/>
+          <a:ext cx="0" cy="0"/>
+          <a:chOff x="0" y="0"/>
+          <a:chExt cx="0" cy="0"/>
+        </a:xfrm>
+      </p:grpSpPr>
+      <p:pic>
+        <p:nvPicPr>
+          <p:cNvPr id="3" name="Imagen 2">
+            <a:extLst>
+              <a:ext uri="{FF2B5EF4-FFF2-40B4-BE49-F238E27FC236}">
+                <a16:creationId xmlns:a16="http://schemas.microsoft.com/office/drawing/2014/main" id="{1B8C621C-8945-B59C-662E-8A55EDD924C6}"/>
+              </a:ext>
+            </a:extLst>
+          </p:cNvPr>
+          <p:cNvPicPr>
+            <a:picLocks noChangeAspect="1"/>
+          </p:cNvPicPr>
+          <p:nvPr/>
+        </p:nvPicPr>
+        <p:blipFill>
+          <a:blip r:embed="rId2"/>
+          <a:stretch>
+            <a:fillRect/>
+          </a:stretch>
+        </p:blipFill>
+        <p:spPr>
+          <a:xfrm>
+            <a:off x="263902" y="290037"/>
+            <a:ext cx="3863675" cy="1005927"/>
+          </a:xfrm>
+          <a:prstGeom prst="rect">
+            <a:avLst/>
+          </a:prstGeom>
+        </p:spPr>
+      </p:pic>
+      <p:pic>
+        <p:nvPicPr>
+          <p:cNvPr id="7" name="Imagen 6">
+            <a:extLst>
+              <a:ext uri="{FF2B5EF4-FFF2-40B4-BE49-F238E27FC236}">
+                <a16:creationId xmlns:a16="http://schemas.microsoft.com/office/drawing/2014/main" id="{08B02112-C3FB-9792-6F90-A6DA55DBE692}"/>
+              </a:ext>
+            </a:extLst>
+          </p:cNvPr>
+          <p:cNvPicPr>
+            <a:picLocks noChangeAspect="1"/>
+          </p:cNvPicPr>
+          <p:nvPr/>
+        </p:nvPicPr>
+        <p:blipFill rotWithShape="1">
+          <a:blip r:embed="rId3"/>
+          <a:srcRect t="14894"/>
+          <a:stretch/>
+        </p:blipFill>
+        <p:spPr>
+          <a:xfrm>
+            <a:off x="674822" y="1433375"/>
+            <a:ext cx="10209498" cy="1499463"/>
+          </a:xfrm>
+          <a:prstGeom prst="rect">
+            <a:avLst/>
+          </a:prstGeom>
+        </p:spPr>
+      </p:pic>
+      <p:pic>
+        <p:nvPicPr>
+          <p:cNvPr id="10" name="Imagen 9">
+            <a:extLst>
+              <a:ext uri="{FF2B5EF4-FFF2-40B4-BE49-F238E27FC236}">
+                <a16:creationId xmlns:a16="http://schemas.microsoft.com/office/drawing/2014/main" id="{E6518925-F7BE-1C63-27D8-D53FB6678598}"/>
+              </a:ext>
+            </a:extLst>
+          </p:cNvPr>
+          <p:cNvPicPr>
+            <a:picLocks noChangeAspect="1"/>
+          </p:cNvPicPr>
+          <p:nvPr/>
+        </p:nvPicPr>
+        <p:blipFill>
+          <a:blip r:embed="rId4"/>
+          <a:stretch>
+            <a:fillRect/>
+          </a:stretch>
+        </p:blipFill>
+        <p:spPr>
+          <a:xfrm>
+            <a:off x="113080" y="3490954"/>
+            <a:ext cx="2285991" cy="1413475"/>
+          </a:xfrm>
+          <a:prstGeom prst="rect">
+            <a:avLst/>
+          </a:prstGeom>
+        </p:spPr>
+      </p:pic>
+      <p:pic>
+        <p:nvPicPr>
+          <p:cNvPr id="13" name="Imagen 12">
+            <a:extLst>
+              <a:ext uri="{FF2B5EF4-FFF2-40B4-BE49-F238E27FC236}">
+                <a16:creationId xmlns:a16="http://schemas.microsoft.com/office/drawing/2014/main" id="{71B28BCB-8F0E-B670-4A0A-1B832DF76428}"/>
+              </a:ext>
+            </a:extLst>
+          </p:cNvPr>
+          <p:cNvPicPr>
+            <a:picLocks noChangeAspect="1"/>
+          </p:cNvPicPr>
+          <p:nvPr/>
+        </p:nvPicPr>
+        <p:blipFill>
+          <a:blip r:embed="rId5"/>
+          <a:stretch>
+            <a:fillRect/>
+          </a:stretch>
+        </p:blipFill>
+        <p:spPr>
+          <a:xfrm>
+            <a:off x="2897868" y="3490954"/>
+            <a:ext cx="7986452" cy="3284505"/>
+          </a:xfrm>
+          <a:prstGeom prst="rect">
+            <a:avLst/>
+          </a:prstGeom>
+        </p:spPr>
+      </p:pic>
+    </p:spTree>
+    <p:extLst>
+      <p:ext uri="{BB962C8B-B14F-4D97-AF65-F5344CB8AC3E}">
+        <p14:creationId xmlns:p14="http://schemas.microsoft.com/office/powerpoint/2010/main" val="4011324019"/>
+      </p:ext>
+    </p:extLst>
+  </p:cSld>
+  <p:clrMapOvr>
+    <a:masterClrMapping/>
+  </p:clrMapOvr>
+</p:sld>
+</file>
+
+<file path=ppt/slides/slide12.xml><?xml version="1.0" encoding="utf-8"?>
+<p:sld xmlns:a="http://schemas.openxmlformats.org/drawingml/2006/main" xmlns:r="http://schemas.openxmlformats.org/officeDocument/2006/relationships" xmlns:p="http://schemas.openxmlformats.org/presentationml/2006/main">
+  <p:cSld>
+    <p:spTree>
+      <p:nvGrpSpPr>
+        <p:cNvPr id="1" name=""/>
+        <p:cNvGrpSpPr/>
+        <p:nvPr/>
+      </p:nvGrpSpPr>
+      <p:grpSpPr>
+        <a:xfrm>
+          <a:off x="0" y="0"/>
+          <a:ext cx="0" cy="0"/>
+          <a:chOff x="0" y="0"/>
+          <a:chExt cx="0" cy="0"/>
+        </a:xfrm>
+      </p:grpSpPr>
+      <p:pic>
+        <p:nvPicPr>
+          <p:cNvPr id="6" name="Imagen 5">
+            <a:extLst>
+              <a:ext uri="{FF2B5EF4-FFF2-40B4-BE49-F238E27FC236}">
+                <a16:creationId xmlns:a16="http://schemas.microsoft.com/office/drawing/2014/main" id="{E58D88EE-D021-406C-B885-1B32AEB5F2B5}"/>
+              </a:ext>
+            </a:extLst>
+          </p:cNvPr>
+          <p:cNvPicPr>
+            <a:picLocks noChangeAspect="1"/>
+          </p:cNvPicPr>
+          <p:nvPr/>
+        </p:nvPicPr>
+        <p:blipFill>
+          <a:blip r:embed="rId2"/>
+          <a:stretch>
+            <a:fillRect/>
+          </a:stretch>
+        </p:blipFill>
+        <p:spPr>
+          <a:xfrm>
+            <a:off x="393894" y="347191"/>
+            <a:ext cx="4198984" cy="891617"/>
+          </a:xfrm>
+          <a:prstGeom prst="rect">
+            <a:avLst/>
+          </a:prstGeom>
+        </p:spPr>
+      </p:pic>
+      <p:pic>
+        <p:nvPicPr>
+          <p:cNvPr id="4" name="Imagen 3">
+            <a:extLst>
+              <a:ext uri="{FF2B5EF4-FFF2-40B4-BE49-F238E27FC236}">
+                <a16:creationId xmlns:a16="http://schemas.microsoft.com/office/drawing/2014/main" id="{51762123-11C6-F4DB-567E-867F55E1D493}"/>
+              </a:ext>
+            </a:extLst>
+          </p:cNvPr>
+          <p:cNvPicPr>
+            <a:picLocks noChangeAspect="1"/>
+          </p:cNvPicPr>
+          <p:nvPr/>
+        </p:nvPicPr>
+        <p:blipFill>
+          <a:blip r:embed="rId3"/>
+          <a:stretch>
+            <a:fillRect/>
+          </a:stretch>
+        </p:blipFill>
+        <p:spPr>
+          <a:xfrm>
+            <a:off x="5058179" y="563283"/>
+            <a:ext cx="6264183" cy="2408129"/>
+          </a:xfrm>
+          <a:prstGeom prst="rect">
+            <a:avLst/>
+          </a:prstGeom>
+        </p:spPr>
+      </p:pic>
+      <p:pic>
+        <p:nvPicPr>
+          <p:cNvPr id="9" name="Imagen 8">
+            <a:extLst>
+              <a:ext uri="{FF2B5EF4-FFF2-40B4-BE49-F238E27FC236}">
+                <a16:creationId xmlns:a16="http://schemas.microsoft.com/office/drawing/2014/main" id="{57586593-FCBC-6875-130F-4FFC4414573F}"/>
+              </a:ext>
+            </a:extLst>
+          </p:cNvPr>
+          <p:cNvPicPr>
+            <a:picLocks noChangeAspect="1"/>
+          </p:cNvPicPr>
+          <p:nvPr/>
+        </p:nvPicPr>
+        <p:blipFill>
+          <a:blip r:embed="rId4"/>
+          <a:stretch>
+            <a:fillRect/>
+          </a:stretch>
+        </p:blipFill>
+        <p:spPr>
+          <a:xfrm>
+            <a:off x="141706" y="3490954"/>
+            <a:ext cx="2331948" cy="1782211"/>
+          </a:xfrm>
+          <a:prstGeom prst="rect">
+            <a:avLst/>
+          </a:prstGeom>
+        </p:spPr>
+      </p:pic>
+      <p:pic>
+        <p:nvPicPr>
+          <p:cNvPr id="12" name="Imagen 11">
+            <a:extLst>
+              <a:ext uri="{FF2B5EF4-FFF2-40B4-BE49-F238E27FC236}">
+                <a16:creationId xmlns:a16="http://schemas.microsoft.com/office/drawing/2014/main" id="{D7E53A8F-A016-7A09-5254-229E86F667DA}"/>
+              </a:ext>
+            </a:extLst>
+          </p:cNvPr>
+          <p:cNvPicPr>
+            <a:picLocks noChangeAspect="1"/>
+          </p:cNvPicPr>
+          <p:nvPr/>
+        </p:nvPicPr>
+        <p:blipFill>
+          <a:blip r:embed="rId5"/>
+          <a:stretch>
+            <a:fillRect/>
+          </a:stretch>
+        </p:blipFill>
+        <p:spPr>
+          <a:xfrm>
+            <a:off x="2919464" y="3490954"/>
+            <a:ext cx="8024555" cy="3276884"/>
+          </a:xfrm>
+          <a:prstGeom prst="rect">
+            <a:avLst/>
+          </a:prstGeom>
+        </p:spPr>
+      </p:pic>
+    </p:spTree>
+    <p:extLst>
+      <p:ext uri="{BB962C8B-B14F-4D97-AF65-F5344CB8AC3E}">
+        <p14:creationId xmlns:p14="http://schemas.microsoft.com/office/powerpoint/2010/main" val="1332253324"/>
+      </p:ext>
+    </p:extLst>
+  </p:cSld>
+  <p:clrMapOvr>
+    <a:masterClrMapping/>
+  </p:clrMapOvr>
+</p:sld>
+</file>
+
+<file path=ppt/slides/slide13.xml><?xml version="1.0" encoding="utf-8"?>
+<p:sld xmlns:a="http://schemas.openxmlformats.org/drawingml/2006/main" xmlns:r="http://schemas.openxmlformats.org/officeDocument/2006/relationships" xmlns:p="http://schemas.openxmlformats.org/presentationml/2006/main">
+  <p:cSld>
+    <p:spTree>
+      <p:nvGrpSpPr>
+        <p:cNvPr id="1" name=""/>
+        <p:cNvGrpSpPr/>
+        <p:nvPr/>
+      </p:nvGrpSpPr>
+      <p:grpSpPr>
+        <a:xfrm>
+          <a:off x="0" y="0"/>
+          <a:ext cx="0" cy="0"/>
+          <a:chOff x="0" y="0"/>
+          <a:chExt cx="0" cy="0"/>
+        </a:xfrm>
+      </p:grpSpPr>
+      <p:pic>
+        <p:nvPicPr>
+          <p:cNvPr id="15" name="Imagen 14">
+            <a:extLst>
+              <a:ext uri="{FF2B5EF4-FFF2-40B4-BE49-F238E27FC236}">
+                <a16:creationId xmlns:a16="http://schemas.microsoft.com/office/drawing/2014/main" id="{7DB9653E-B2A7-B57F-EE1A-20BC863B973B}"/>
+              </a:ext>
+            </a:extLst>
+          </p:cNvPr>
+          <p:cNvPicPr>
+            <a:picLocks noChangeAspect="1"/>
+          </p:cNvPicPr>
+          <p:nvPr/>
+        </p:nvPicPr>
+        <p:blipFill rotWithShape="1">
+          <a:blip r:embed="rId2"/>
+          <a:srcRect r="12678"/>
+          <a:stretch/>
+        </p:blipFill>
+        <p:spPr>
+          <a:xfrm>
+            <a:off x="384020" y="352885"/>
+            <a:ext cx="2362350" cy="762066"/>
+          </a:xfrm>
+          <a:prstGeom prst="rect">
+            <a:avLst/>
+          </a:prstGeom>
+        </p:spPr>
+      </p:pic>
+      <p:pic>
+        <p:nvPicPr>
+          <p:cNvPr id="17" name="Imagen 16">
+            <a:extLst>
+              <a:ext uri="{FF2B5EF4-FFF2-40B4-BE49-F238E27FC236}">
+                <a16:creationId xmlns:a16="http://schemas.microsoft.com/office/drawing/2014/main" id="{EF4A72E2-897F-21E0-BE89-0D9E0DA74146}"/>
+              </a:ext>
+            </a:extLst>
+          </p:cNvPr>
+          <p:cNvPicPr>
+            <a:picLocks noChangeAspect="1"/>
+          </p:cNvPicPr>
+          <p:nvPr/>
+        </p:nvPicPr>
+        <p:blipFill>
+          <a:blip r:embed="rId3"/>
+          <a:stretch>
+            <a:fillRect/>
+          </a:stretch>
+        </p:blipFill>
+        <p:spPr>
+          <a:xfrm>
+            <a:off x="498275" y="116645"/>
+            <a:ext cx="2248095" cy="236240"/>
+          </a:xfrm>
+          <a:prstGeom prst="rect">
+            <a:avLst/>
+          </a:prstGeom>
+        </p:spPr>
+      </p:pic>
+      <p:pic>
+        <p:nvPicPr>
+          <p:cNvPr id="19" name="Imagen 18">
+            <a:extLst>
+              <a:ext uri="{FF2B5EF4-FFF2-40B4-BE49-F238E27FC236}">
+                <a16:creationId xmlns:a16="http://schemas.microsoft.com/office/drawing/2014/main" id="{0AF32770-EA8F-0950-38A6-B7683EF1F6D9}"/>
+              </a:ext>
+            </a:extLst>
+          </p:cNvPr>
+          <p:cNvPicPr>
+            <a:picLocks noChangeAspect="1"/>
+          </p:cNvPicPr>
+          <p:nvPr/>
+        </p:nvPicPr>
+        <p:blipFill>
+          <a:blip r:embed="rId4"/>
+          <a:stretch>
+            <a:fillRect/>
+          </a:stretch>
+        </p:blipFill>
+        <p:spPr>
+          <a:xfrm>
+            <a:off x="1725677" y="1196025"/>
+            <a:ext cx="8919656" cy="1834461"/>
+          </a:xfrm>
+          <a:prstGeom prst="rect">
+            <a:avLst/>
+          </a:prstGeom>
+        </p:spPr>
+      </p:pic>
+      <p:pic>
+        <p:nvPicPr>
+          <p:cNvPr id="21" name="Imagen 20">
+            <a:extLst>
+              <a:ext uri="{FF2B5EF4-FFF2-40B4-BE49-F238E27FC236}">
+                <a16:creationId xmlns:a16="http://schemas.microsoft.com/office/drawing/2014/main" id="{4A787A50-3E5E-0310-50AB-B43DBD6CA1D4}"/>
+              </a:ext>
+            </a:extLst>
+          </p:cNvPr>
+          <p:cNvPicPr>
+            <a:picLocks noChangeAspect="1"/>
+          </p:cNvPicPr>
+          <p:nvPr/>
+        </p:nvPicPr>
+        <p:blipFill>
+          <a:blip r:embed="rId5"/>
+          <a:stretch>
+            <a:fillRect/>
+          </a:stretch>
+        </p:blipFill>
+        <p:spPr>
+          <a:xfrm>
+            <a:off x="152556" y="3378327"/>
+            <a:ext cx="2261708" cy="1592324"/>
+          </a:xfrm>
+          <a:prstGeom prst="rect">
+            <a:avLst/>
+          </a:prstGeom>
+        </p:spPr>
+      </p:pic>
+      <p:pic>
+        <p:nvPicPr>
+          <p:cNvPr id="23" name="Imagen 22">
+            <a:extLst>
+              <a:ext uri="{FF2B5EF4-FFF2-40B4-BE49-F238E27FC236}">
+                <a16:creationId xmlns:a16="http://schemas.microsoft.com/office/drawing/2014/main" id="{AC0F88C5-3DB5-338B-3C93-1EF87C7D9462}"/>
+              </a:ext>
+            </a:extLst>
+          </p:cNvPr>
+          <p:cNvPicPr>
+            <a:picLocks noChangeAspect="1"/>
+          </p:cNvPicPr>
+          <p:nvPr/>
+        </p:nvPicPr>
+        <p:blipFill>
+          <a:blip r:embed="rId6"/>
+          <a:stretch>
+            <a:fillRect/>
+          </a:stretch>
+        </p:blipFill>
+        <p:spPr>
+          <a:xfrm>
+            <a:off x="2863867" y="3378327"/>
+            <a:ext cx="6464265" cy="3409900"/>
+          </a:xfrm>
+          <a:prstGeom prst="rect">
+            <a:avLst/>
+          </a:prstGeom>
+        </p:spPr>
+      </p:pic>
+    </p:spTree>
+    <p:extLst>
+      <p:ext uri="{BB962C8B-B14F-4D97-AF65-F5344CB8AC3E}">
+        <p14:creationId xmlns:p14="http://schemas.microsoft.com/office/powerpoint/2010/main" val="2358442974"/>
+      </p:ext>
+    </p:extLst>
+  </p:cSld>
+  <p:clrMapOvr>
+    <a:masterClrMapping/>
+  </p:clrMapOvr>
+</p:sld>
+</file>
+
 <file path=ppt/slides/slide2.xml><?xml version="1.0" encoding="utf-8"?>
 <p:sld xmlns:a="http://schemas.openxmlformats.org/drawingml/2006/main" xmlns:r="http://schemas.openxmlformats.org/officeDocument/2006/relationships" xmlns:p="http://schemas.openxmlformats.org/presentationml/2006/main">
   <p:cSld>
@@ -4272,6 +4914,728 @@
     <p:extLst>
       <p:ext uri="{BB962C8B-B14F-4D97-AF65-F5344CB8AC3E}">
         <p14:creationId xmlns:p14="http://schemas.microsoft.com/office/powerpoint/2010/main" val="3411752556"/>
+      </p:ext>
+    </p:extLst>
+  </p:cSld>
+  <p:clrMapOvr>
+    <a:masterClrMapping/>
+  </p:clrMapOvr>
+</p:sld>
+</file>
+
+<file path=ppt/slides/slide5.xml><?xml version="1.0" encoding="utf-8"?>
+<p:sld xmlns:a="http://schemas.openxmlformats.org/drawingml/2006/main" xmlns:r="http://schemas.openxmlformats.org/officeDocument/2006/relationships" xmlns:p="http://schemas.openxmlformats.org/presentationml/2006/main">
+  <p:cSld>
+    <p:spTree>
+      <p:nvGrpSpPr>
+        <p:cNvPr id="1" name=""/>
+        <p:cNvGrpSpPr/>
+        <p:nvPr/>
+      </p:nvGrpSpPr>
+      <p:grpSpPr>
+        <a:xfrm>
+          <a:off x="0" y="0"/>
+          <a:ext cx="0" cy="0"/>
+          <a:chOff x="0" y="0"/>
+          <a:chExt cx="0" cy="0"/>
+        </a:xfrm>
+      </p:grpSpPr>
+      <p:pic>
+        <p:nvPicPr>
+          <p:cNvPr id="3" name="Imagen 2">
+            <a:extLst>
+              <a:ext uri="{FF2B5EF4-FFF2-40B4-BE49-F238E27FC236}">
+                <a16:creationId xmlns:a16="http://schemas.microsoft.com/office/drawing/2014/main" id="{E26304B2-6083-8893-86EA-945815E37A7C}"/>
+              </a:ext>
+            </a:extLst>
+          </p:cNvPr>
+          <p:cNvPicPr>
+            <a:picLocks noChangeAspect="1"/>
+          </p:cNvPicPr>
+          <p:nvPr/>
+        </p:nvPicPr>
+        <p:blipFill>
+          <a:blip r:embed="rId2"/>
+          <a:stretch>
+            <a:fillRect/>
+          </a:stretch>
+        </p:blipFill>
+        <p:spPr>
+          <a:xfrm>
+            <a:off x="2861078" y="350117"/>
+            <a:ext cx="6469844" cy="1301702"/>
+          </a:xfrm>
+          <a:prstGeom prst="rect">
+            <a:avLst/>
+          </a:prstGeom>
+        </p:spPr>
+      </p:pic>
+      <p:pic>
+        <p:nvPicPr>
+          <p:cNvPr id="5" name="Imagen 4">
+            <a:hlinkClick r:id="rId3"/>
+            <a:extLst>
+              <a:ext uri="{FF2B5EF4-FFF2-40B4-BE49-F238E27FC236}">
+                <a16:creationId xmlns:a16="http://schemas.microsoft.com/office/drawing/2014/main" id="{7098C312-EF9D-F46E-BB4B-A90C2FC7906F}"/>
+              </a:ext>
+            </a:extLst>
+          </p:cNvPr>
+          <p:cNvPicPr>
+            <a:picLocks noChangeAspect="1"/>
+          </p:cNvPicPr>
+          <p:nvPr/>
+        </p:nvPicPr>
+        <p:blipFill>
+          <a:blip r:embed="rId4"/>
+          <a:stretch>
+            <a:fillRect/>
+          </a:stretch>
+        </p:blipFill>
+        <p:spPr>
+          <a:xfrm>
+            <a:off x="2221187" y="2047481"/>
+            <a:ext cx="3874813" cy="3800907"/>
+          </a:xfrm>
+          <a:prstGeom prst="rect">
+            <a:avLst/>
+          </a:prstGeom>
+        </p:spPr>
+      </p:pic>
+      <p:pic>
+        <p:nvPicPr>
+          <p:cNvPr id="6" name="Imagen 5">
+            <a:hlinkClick r:id="rId5"/>
+            <a:extLst>
+              <a:ext uri="{FF2B5EF4-FFF2-40B4-BE49-F238E27FC236}">
+                <a16:creationId xmlns:a16="http://schemas.microsoft.com/office/drawing/2014/main" id="{57FE4699-2DAC-62C4-27C7-984A0B2668F5}"/>
+              </a:ext>
+            </a:extLst>
+          </p:cNvPr>
+          <p:cNvPicPr>
+            <a:picLocks noChangeAspect="1"/>
+          </p:cNvPicPr>
+          <p:nvPr/>
+        </p:nvPicPr>
+        <p:blipFill>
+          <a:blip r:embed="rId6"/>
+          <a:stretch>
+            <a:fillRect/>
+          </a:stretch>
+        </p:blipFill>
+        <p:spPr>
+          <a:xfrm>
+            <a:off x="7073189" y="2047481"/>
+            <a:ext cx="2544766" cy="3800907"/>
+          </a:xfrm>
+          <a:prstGeom prst="rect">
+            <a:avLst/>
+          </a:prstGeom>
+        </p:spPr>
+      </p:pic>
+    </p:spTree>
+    <p:extLst>
+      <p:ext uri="{BB962C8B-B14F-4D97-AF65-F5344CB8AC3E}">
+        <p14:creationId xmlns:p14="http://schemas.microsoft.com/office/powerpoint/2010/main" val="926543809"/>
+      </p:ext>
+    </p:extLst>
+  </p:cSld>
+  <p:clrMapOvr>
+    <a:masterClrMapping/>
+  </p:clrMapOvr>
+</p:sld>
+</file>
+
+<file path=ppt/slides/slide6.xml><?xml version="1.0" encoding="utf-8"?>
+<p:sld xmlns:a="http://schemas.openxmlformats.org/drawingml/2006/main" xmlns:r="http://schemas.openxmlformats.org/officeDocument/2006/relationships" xmlns:p="http://schemas.openxmlformats.org/presentationml/2006/main">
+  <p:cSld>
+    <p:spTree>
+      <p:nvGrpSpPr>
+        <p:cNvPr id="1" name=""/>
+        <p:cNvGrpSpPr/>
+        <p:nvPr/>
+      </p:nvGrpSpPr>
+      <p:grpSpPr>
+        <a:xfrm>
+          <a:off x="0" y="0"/>
+          <a:ext cx="0" cy="0"/>
+          <a:chOff x="0" y="0"/>
+          <a:chExt cx="0" cy="0"/>
+        </a:xfrm>
+      </p:grpSpPr>
+      <p:pic>
+        <p:nvPicPr>
+          <p:cNvPr id="4" name="Imagen 3">
+            <a:extLst>
+              <a:ext uri="{FF2B5EF4-FFF2-40B4-BE49-F238E27FC236}">
+                <a16:creationId xmlns:a16="http://schemas.microsoft.com/office/drawing/2014/main" id="{14A40696-8338-6350-BD00-B8A3E3DB2C7D}"/>
+              </a:ext>
+            </a:extLst>
+          </p:cNvPr>
+          <p:cNvPicPr>
+            <a:picLocks noChangeAspect="1"/>
+          </p:cNvPicPr>
+          <p:nvPr/>
+        </p:nvPicPr>
+        <p:blipFill>
+          <a:blip r:embed="rId2"/>
+          <a:stretch>
+            <a:fillRect/>
+          </a:stretch>
+        </p:blipFill>
+        <p:spPr>
+          <a:xfrm>
+            <a:off x="220708" y="189231"/>
+            <a:ext cx="6264183" cy="914479"/>
+          </a:xfrm>
+          <a:prstGeom prst="rect">
+            <a:avLst/>
+          </a:prstGeom>
+        </p:spPr>
+      </p:pic>
+      <p:pic>
+        <p:nvPicPr>
+          <p:cNvPr id="8" name="Imagen 7">
+            <a:extLst>
+              <a:ext uri="{FF2B5EF4-FFF2-40B4-BE49-F238E27FC236}">
+                <a16:creationId xmlns:a16="http://schemas.microsoft.com/office/drawing/2014/main" id="{0B666BE3-3727-34C4-C17E-45EAC18AF700}"/>
+              </a:ext>
+            </a:extLst>
+          </p:cNvPr>
+          <p:cNvPicPr>
+            <a:picLocks noChangeAspect="1"/>
+          </p:cNvPicPr>
+          <p:nvPr/>
+        </p:nvPicPr>
+        <p:blipFill>
+          <a:blip r:embed="rId3"/>
+          <a:stretch>
+            <a:fillRect/>
+          </a:stretch>
+        </p:blipFill>
+        <p:spPr>
+          <a:xfrm>
+            <a:off x="2047137" y="3490954"/>
+            <a:ext cx="9906859" cy="3177815"/>
+          </a:xfrm>
+          <a:prstGeom prst="rect">
+            <a:avLst/>
+          </a:prstGeom>
+        </p:spPr>
+      </p:pic>
+      <p:pic>
+        <p:nvPicPr>
+          <p:cNvPr id="10" name="Imagen 9">
+            <a:extLst>
+              <a:ext uri="{FF2B5EF4-FFF2-40B4-BE49-F238E27FC236}">
+                <a16:creationId xmlns:a16="http://schemas.microsoft.com/office/drawing/2014/main" id="{94523FD1-06E7-14BA-C86F-1E4530697410}"/>
+              </a:ext>
+            </a:extLst>
+          </p:cNvPr>
+          <p:cNvPicPr>
+            <a:picLocks noChangeAspect="1"/>
+          </p:cNvPicPr>
+          <p:nvPr/>
+        </p:nvPicPr>
+        <p:blipFill>
+          <a:blip r:embed="rId4"/>
+          <a:stretch>
+            <a:fillRect/>
+          </a:stretch>
+        </p:blipFill>
+        <p:spPr>
+          <a:xfrm>
+            <a:off x="145939" y="3490954"/>
+            <a:ext cx="1615580" cy="807790"/>
+          </a:xfrm>
+          <a:prstGeom prst="rect">
+            <a:avLst/>
+          </a:prstGeom>
+        </p:spPr>
+      </p:pic>
+      <p:pic>
+        <p:nvPicPr>
+          <p:cNvPr id="12" name="Imagen 11">
+            <a:extLst>
+              <a:ext uri="{FF2B5EF4-FFF2-40B4-BE49-F238E27FC236}">
+                <a16:creationId xmlns:a16="http://schemas.microsoft.com/office/drawing/2014/main" id="{EEDDE7BA-0EF3-F948-125F-B7DD85CDEF2A}"/>
+              </a:ext>
+            </a:extLst>
+          </p:cNvPr>
+          <p:cNvPicPr>
+            <a:picLocks noChangeAspect="1"/>
+          </p:cNvPicPr>
+          <p:nvPr/>
+        </p:nvPicPr>
+        <p:blipFill>
+          <a:blip r:embed="rId5"/>
+          <a:stretch>
+            <a:fillRect/>
+          </a:stretch>
+        </p:blipFill>
+        <p:spPr>
+          <a:xfrm>
+            <a:off x="364542" y="1250848"/>
+            <a:ext cx="6722896" cy="1718493"/>
+          </a:xfrm>
+          <a:prstGeom prst="rect">
+            <a:avLst/>
+          </a:prstGeom>
+        </p:spPr>
+      </p:pic>
+    </p:spTree>
+    <p:extLst>
+      <p:ext uri="{BB962C8B-B14F-4D97-AF65-F5344CB8AC3E}">
+        <p14:creationId xmlns:p14="http://schemas.microsoft.com/office/powerpoint/2010/main" val="1587224599"/>
+      </p:ext>
+    </p:extLst>
+  </p:cSld>
+  <p:clrMapOvr>
+    <a:masterClrMapping/>
+  </p:clrMapOvr>
+</p:sld>
+</file>
+
+<file path=ppt/slides/slide7.xml><?xml version="1.0" encoding="utf-8"?>
+<p:sld xmlns:a="http://schemas.openxmlformats.org/drawingml/2006/main" xmlns:r="http://schemas.openxmlformats.org/officeDocument/2006/relationships" xmlns:p="http://schemas.openxmlformats.org/presentationml/2006/main">
+  <p:cSld>
+    <p:spTree>
+      <p:nvGrpSpPr>
+        <p:cNvPr id="1" name=""/>
+        <p:cNvGrpSpPr/>
+        <p:nvPr/>
+      </p:nvGrpSpPr>
+      <p:grpSpPr>
+        <a:xfrm>
+          <a:off x="0" y="0"/>
+          <a:ext cx="0" cy="0"/>
+          <a:chOff x="0" y="0"/>
+          <a:chExt cx="0" cy="0"/>
+        </a:xfrm>
+      </p:grpSpPr>
+      <p:pic>
+        <p:nvPicPr>
+          <p:cNvPr id="3" name="Imagen 2">
+            <a:extLst>
+              <a:ext uri="{FF2B5EF4-FFF2-40B4-BE49-F238E27FC236}">
+                <a16:creationId xmlns:a16="http://schemas.microsoft.com/office/drawing/2014/main" id="{9D7F1681-046A-68C3-6F98-94C1650CB567}"/>
+              </a:ext>
+            </a:extLst>
+          </p:cNvPr>
+          <p:cNvPicPr>
+            <a:picLocks noChangeAspect="1"/>
+          </p:cNvPicPr>
+          <p:nvPr/>
+        </p:nvPicPr>
+        <p:blipFill>
+          <a:blip r:embed="rId2"/>
+          <a:stretch>
+            <a:fillRect/>
+          </a:stretch>
+        </p:blipFill>
+        <p:spPr>
+          <a:xfrm>
+            <a:off x="313437" y="204472"/>
+            <a:ext cx="3467400" cy="899238"/>
+          </a:xfrm>
+          <a:prstGeom prst="rect">
+            <a:avLst/>
+          </a:prstGeom>
+        </p:spPr>
+      </p:pic>
+      <p:pic>
+        <p:nvPicPr>
+          <p:cNvPr id="6" name="Imagen 5">
+            <a:extLst>
+              <a:ext uri="{FF2B5EF4-FFF2-40B4-BE49-F238E27FC236}">
+                <a16:creationId xmlns:a16="http://schemas.microsoft.com/office/drawing/2014/main" id="{30C49E2A-2C64-2BB7-492F-F9813F56A908}"/>
+              </a:ext>
+            </a:extLst>
+          </p:cNvPr>
+          <p:cNvPicPr>
+            <a:picLocks noChangeAspect="1"/>
+          </p:cNvPicPr>
+          <p:nvPr/>
+        </p:nvPicPr>
+        <p:blipFill>
+          <a:blip r:embed="rId3"/>
+          <a:stretch>
+            <a:fillRect/>
+          </a:stretch>
+        </p:blipFill>
+        <p:spPr>
+          <a:xfrm>
+            <a:off x="145939" y="1387141"/>
+            <a:ext cx="7080054" cy="1759181"/>
+          </a:xfrm>
+          <a:prstGeom prst="rect">
+            <a:avLst/>
+          </a:prstGeom>
+        </p:spPr>
+      </p:pic>
+      <p:pic>
+        <p:nvPicPr>
+          <p:cNvPr id="9" name="Imagen 8">
+            <a:extLst>
+              <a:ext uri="{FF2B5EF4-FFF2-40B4-BE49-F238E27FC236}">
+                <a16:creationId xmlns:a16="http://schemas.microsoft.com/office/drawing/2014/main" id="{7435F452-1284-DABD-1EFA-05B5735ED865}"/>
+              </a:ext>
+            </a:extLst>
+          </p:cNvPr>
+          <p:cNvPicPr>
+            <a:picLocks noChangeAspect="1"/>
+          </p:cNvPicPr>
+          <p:nvPr/>
+        </p:nvPicPr>
+        <p:blipFill>
+          <a:blip r:embed="rId4"/>
+          <a:stretch>
+            <a:fillRect/>
+          </a:stretch>
+        </p:blipFill>
+        <p:spPr>
+          <a:xfrm>
+            <a:off x="119110" y="3490954"/>
+            <a:ext cx="1928027" cy="891617"/>
+          </a:xfrm>
+          <a:prstGeom prst="rect">
+            <a:avLst/>
+          </a:prstGeom>
+        </p:spPr>
+      </p:pic>
+      <p:pic>
+        <p:nvPicPr>
+          <p:cNvPr id="13" name="Imagen 12">
+            <a:extLst>
+              <a:ext uri="{FF2B5EF4-FFF2-40B4-BE49-F238E27FC236}">
+                <a16:creationId xmlns:a16="http://schemas.microsoft.com/office/drawing/2014/main" id="{D5E86E75-0DB7-1E4B-8A85-979AA7CCA385}"/>
+              </a:ext>
+            </a:extLst>
+          </p:cNvPr>
+          <p:cNvPicPr>
+            <a:picLocks noChangeAspect="1"/>
+          </p:cNvPicPr>
+          <p:nvPr/>
+        </p:nvPicPr>
+        <p:blipFill>
+          <a:blip r:embed="rId5"/>
+          <a:stretch>
+            <a:fillRect/>
+          </a:stretch>
+        </p:blipFill>
+        <p:spPr>
+          <a:xfrm>
+            <a:off x="2150790" y="3490954"/>
+            <a:ext cx="9922100" cy="3215919"/>
+          </a:xfrm>
+          <a:prstGeom prst="rect">
+            <a:avLst/>
+          </a:prstGeom>
+        </p:spPr>
+      </p:pic>
+    </p:spTree>
+    <p:extLst>
+      <p:ext uri="{BB962C8B-B14F-4D97-AF65-F5344CB8AC3E}">
+        <p14:creationId xmlns:p14="http://schemas.microsoft.com/office/powerpoint/2010/main" val="3698017391"/>
+      </p:ext>
+    </p:extLst>
+  </p:cSld>
+  <p:clrMapOvr>
+    <a:masterClrMapping/>
+  </p:clrMapOvr>
+</p:sld>
+</file>
+
+<file path=ppt/slides/slide8.xml><?xml version="1.0" encoding="utf-8"?>
+<p:sld xmlns:a="http://schemas.openxmlformats.org/drawingml/2006/main" xmlns:r="http://schemas.openxmlformats.org/officeDocument/2006/relationships" xmlns:p="http://schemas.openxmlformats.org/presentationml/2006/main">
+  <p:cSld>
+    <p:spTree>
+      <p:nvGrpSpPr>
+        <p:cNvPr id="1" name=""/>
+        <p:cNvGrpSpPr/>
+        <p:nvPr/>
+      </p:nvGrpSpPr>
+      <p:grpSpPr>
+        <a:xfrm>
+          <a:off x="0" y="0"/>
+          <a:ext cx="0" cy="0"/>
+          <a:chOff x="0" y="0"/>
+          <a:chExt cx="0" cy="0"/>
+        </a:xfrm>
+      </p:grpSpPr>
+      <p:pic>
+        <p:nvPicPr>
+          <p:cNvPr id="4" name="Imagen 3">
+            <a:extLst>
+              <a:ext uri="{FF2B5EF4-FFF2-40B4-BE49-F238E27FC236}">
+                <a16:creationId xmlns:a16="http://schemas.microsoft.com/office/drawing/2014/main" id="{6C8ABEDF-7E7E-C4B8-61B0-4D4700DA9499}"/>
+              </a:ext>
+            </a:extLst>
+          </p:cNvPr>
+          <p:cNvPicPr>
+            <a:picLocks noChangeAspect="1"/>
+          </p:cNvPicPr>
+          <p:nvPr/>
+        </p:nvPicPr>
+        <p:blipFill>
+          <a:blip r:embed="rId2"/>
+          <a:stretch>
+            <a:fillRect/>
+          </a:stretch>
+        </p:blipFill>
+        <p:spPr>
+          <a:xfrm>
+            <a:off x="313437" y="113763"/>
+            <a:ext cx="2987299" cy="967824"/>
+          </a:xfrm>
+          <a:prstGeom prst="rect">
+            <a:avLst/>
+          </a:prstGeom>
+        </p:spPr>
+      </p:pic>
+      <p:pic>
+        <p:nvPicPr>
+          <p:cNvPr id="7" name="Imagen 6">
+            <a:extLst>
+              <a:ext uri="{FF2B5EF4-FFF2-40B4-BE49-F238E27FC236}">
+                <a16:creationId xmlns:a16="http://schemas.microsoft.com/office/drawing/2014/main" id="{EA65206B-D285-695B-EE0E-87A697B1872D}"/>
+              </a:ext>
+            </a:extLst>
+          </p:cNvPr>
+          <p:cNvPicPr>
+            <a:picLocks noChangeAspect="1"/>
+          </p:cNvPicPr>
+          <p:nvPr/>
+        </p:nvPicPr>
+        <p:blipFill>
+          <a:blip r:embed="rId3"/>
+          <a:stretch>
+            <a:fillRect/>
+          </a:stretch>
+        </p:blipFill>
+        <p:spPr>
+          <a:xfrm>
+            <a:off x="313437" y="1391565"/>
+            <a:ext cx="6149873" cy="1577477"/>
+          </a:xfrm>
+          <a:prstGeom prst="rect">
+            <a:avLst/>
+          </a:prstGeom>
+        </p:spPr>
+      </p:pic>
+      <p:pic>
+        <p:nvPicPr>
+          <p:cNvPr id="10" name="Imagen 9">
+            <a:extLst>
+              <a:ext uri="{FF2B5EF4-FFF2-40B4-BE49-F238E27FC236}">
+                <a16:creationId xmlns:a16="http://schemas.microsoft.com/office/drawing/2014/main" id="{8408AA6D-2563-4DF5-CC55-A86DEF754011}"/>
+              </a:ext>
+            </a:extLst>
+          </p:cNvPr>
+          <p:cNvPicPr>
+            <a:picLocks noChangeAspect="1"/>
+          </p:cNvPicPr>
+          <p:nvPr/>
+        </p:nvPicPr>
+        <p:blipFill>
+          <a:blip r:embed="rId4"/>
+          <a:stretch>
+            <a:fillRect/>
+          </a:stretch>
+        </p:blipFill>
+        <p:spPr>
+          <a:xfrm>
+            <a:off x="191506" y="3490954"/>
+            <a:ext cx="1615580" cy="861135"/>
+          </a:xfrm>
+          <a:prstGeom prst="rect">
+            <a:avLst/>
+          </a:prstGeom>
+        </p:spPr>
+      </p:pic>
+      <p:pic>
+        <p:nvPicPr>
+          <p:cNvPr id="12" name="Imagen 11">
+            <a:extLst>
+              <a:ext uri="{FF2B5EF4-FFF2-40B4-BE49-F238E27FC236}">
+                <a16:creationId xmlns:a16="http://schemas.microsoft.com/office/drawing/2014/main" id="{7AD235E0-941A-888D-8654-AE71AE730087}"/>
+              </a:ext>
+            </a:extLst>
+          </p:cNvPr>
+          <p:cNvPicPr>
+            <a:picLocks noChangeAspect="1"/>
+          </p:cNvPicPr>
+          <p:nvPr/>
+        </p:nvPicPr>
+        <p:blipFill>
+          <a:blip r:embed="rId5"/>
+          <a:stretch>
+            <a:fillRect/>
+          </a:stretch>
+        </p:blipFill>
+        <p:spPr>
+          <a:xfrm>
+            <a:off x="2052548" y="3490954"/>
+            <a:ext cx="9876376" cy="3238781"/>
+          </a:xfrm>
+          <a:prstGeom prst="rect">
+            <a:avLst/>
+          </a:prstGeom>
+        </p:spPr>
+      </p:pic>
+    </p:spTree>
+    <p:extLst>
+      <p:ext uri="{BB962C8B-B14F-4D97-AF65-F5344CB8AC3E}">
+        <p14:creationId xmlns:p14="http://schemas.microsoft.com/office/powerpoint/2010/main" val="3243632410"/>
+      </p:ext>
+    </p:extLst>
+  </p:cSld>
+  <p:clrMapOvr>
+    <a:masterClrMapping/>
+  </p:clrMapOvr>
+</p:sld>
+</file>
+
+<file path=ppt/slides/slide9.xml><?xml version="1.0" encoding="utf-8"?>
+<p:sld xmlns:a="http://schemas.openxmlformats.org/drawingml/2006/main" xmlns:r="http://schemas.openxmlformats.org/officeDocument/2006/relationships" xmlns:p="http://schemas.openxmlformats.org/presentationml/2006/main">
+  <p:cSld>
+    <p:spTree>
+      <p:nvGrpSpPr>
+        <p:cNvPr id="1" name=""/>
+        <p:cNvGrpSpPr/>
+        <p:nvPr/>
+      </p:nvGrpSpPr>
+      <p:grpSpPr>
+        <a:xfrm>
+          <a:off x="0" y="0"/>
+          <a:ext cx="0" cy="0"/>
+          <a:chOff x="0" y="0"/>
+          <a:chExt cx="0" cy="0"/>
+        </a:xfrm>
+      </p:grpSpPr>
+      <p:pic>
+        <p:nvPicPr>
+          <p:cNvPr id="3" name="Imagen 2">
+            <a:extLst>
+              <a:ext uri="{FF2B5EF4-FFF2-40B4-BE49-F238E27FC236}">
+                <a16:creationId xmlns:a16="http://schemas.microsoft.com/office/drawing/2014/main" id="{E953EDAD-B351-78BD-09D9-262C469C296F}"/>
+              </a:ext>
+            </a:extLst>
+          </p:cNvPr>
+          <p:cNvPicPr>
+            <a:picLocks noChangeAspect="1"/>
+          </p:cNvPicPr>
+          <p:nvPr/>
+        </p:nvPicPr>
+        <p:blipFill>
+          <a:blip r:embed="rId2"/>
+          <a:stretch>
+            <a:fillRect/>
+          </a:stretch>
+        </p:blipFill>
+        <p:spPr>
+          <a:xfrm>
+            <a:off x="263902" y="238992"/>
+            <a:ext cx="3086367" cy="891617"/>
+          </a:xfrm>
+          <a:prstGeom prst="rect">
+            <a:avLst/>
+          </a:prstGeom>
+        </p:spPr>
+      </p:pic>
+      <p:pic>
+        <p:nvPicPr>
+          <p:cNvPr id="9" name="Imagen 8">
+            <a:extLst>
+              <a:ext uri="{FF2B5EF4-FFF2-40B4-BE49-F238E27FC236}">
+                <a16:creationId xmlns:a16="http://schemas.microsoft.com/office/drawing/2014/main" id="{38D09DD7-FFA4-F8F3-52F0-6E4102014C9F}"/>
+              </a:ext>
+            </a:extLst>
+          </p:cNvPr>
+          <p:cNvPicPr>
+            <a:picLocks noChangeAspect="1"/>
+          </p:cNvPicPr>
+          <p:nvPr/>
+        </p:nvPicPr>
+        <p:blipFill>
+          <a:blip r:embed="rId3"/>
+          <a:stretch>
+            <a:fillRect/>
+          </a:stretch>
+        </p:blipFill>
+        <p:spPr>
+          <a:xfrm>
+            <a:off x="263902" y="1437662"/>
+            <a:ext cx="6134632" cy="1386960"/>
+          </a:xfrm>
+          <a:prstGeom prst="rect">
+            <a:avLst/>
+          </a:prstGeom>
+        </p:spPr>
+      </p:pic>
+      <p:pic>
+        <p:nvPicPr>
+          <p:cNvPr id="13" name="Imagen 12">
+            <a:extLst>
+              <a:ext uri="{FF2B5EF4-FFF2-40B4-BE49-F238E27FC236}">
+                <a16:creationId xmlns:a16="http://schemas.microsoft.com/office/drawing/2014/main" id="{6E9BC09C-7CB4-855C-CEDB-9667DA30F431}"/>
+              </a:ext>
+            </a:extLst>
+          </p:cNvPr>
+          <p:cNvPicPr>
+            <a:picLocks noChangeAspect="1"/>
+          </p:cNvPicPr>
+          <p:nvPr/>
+        </p:nvPicPr>
+        <p:blipFill>
+          <a:blip r:embed="rId4"/>
+          <a:stretch>
+            <a:fillRect/>
+          </a:stretch>
+        </p:blipFill>
+        <p:spPr>
+          <a:xfrm>
+            <a:off x="191505" y="3490954"/>
+            <a:ext cx="1615580" cy="899238"/>
+          </a:xfrm>
+          <a:prstGeom prst="rect">
+            <a:avLst/>
+          </a:prstGeom>
+        </p:spPr>
+      </p:pic>
+      <p:pic>
+        <p:nvPicPr>
+          <p:cNvPr id="15" name="Imagen 14">
+            <a:extLst>
+              <a:ext uri="{FF2B5EF4-FFF2-40B4-BE49-F238E27FC236}">
+                <a16:creationId xmlns:a16="http://schemas.microsoft.com/office/drawing/2014/main" id="{9E6692AD-290A-4DCB-3B26-2D7A043EFD02}"/>
+              </a:ext>
+            </a:extLst>
+          </p:cNvPr>
+          <p:cNvPicPr>
+            <a:picLocks noChangeAspect="1"/>
+          </p:cNvPicPr>
+          <p:nvPr/>
+        </p:nvPicPr>
+        <p:blipFill>
+          <a:blip r:embed="rId5"/>
+          <a:stretch>
+            <a:fillRect/>
+          </a:stretch>
+        </p:blipFill>
+        <p:spPr>
+          <a:xfrm>
+            <a:off x="2204907" y="3490954"/>
+            <a:ext cx="7978831" cy="3254022"/>
+          </a:xfrm>
+          <a:prstGeom prst="rect">
+            <a:avLst/>
+          </a:prstGeom>
+        </p:spPr>
+      </p:pic>
+    </p:spTree>
+    <p:extLst>
+      <p:ext uri="{BB962C8B-B14F-4D97-AF65-F5344CB8AC3E}">
+        <p14:creationId xmlns:p14="http://schemas.microsoft.com/office/powerpoint/2010/main" val="2440495773"/>
       </p:ext>
     </p:extLst>
   </p:cSld>
